--- a/docs/diagrams/UndoRedoNewCommand4StateListDiagram.pptx
+++ b/docs/diagrams/UndoRedoNewCommand4StateListDiagram.pptx
@@ -112,10 +112,6 @@
 </p:presentation>
 </file>
 
-<file path=ppt/revisionInfo.xml><?xml version="1.0" encoding="utf-8"?>
-<p1510:revInfo xmlns:a="http://schemas.openxmlformats.org/drawingml/2006/main" xmlns:r="http://schemas.openxmlformats.org/officeDocument/2006/relationships" xmlns:p1510="http://schemas.microsoft.com/office/powerpoint/2015/10/main"/>
-</file>
-
 <file path=ppt/slideLayouts/slideLayout1.xml><?xml version="1.0" encoding="utf-8"?>
 <p:sldLayout xmlns:a="http://schemas.openxmlformats.org/drawingml/2006/main" xmlns:r="http://schemas.openxmlformats.org/officeDocument/2006/relationships" xmlns:p="http://schemas.openxmlformats.org/presentationml/2006/main" type="title" preserve="1">
   <p:cSld name="Title Slide">
@@ -265,7 +261,7 @@
           <a:p>
             <a:fld id="{03EC4E3E-8101-482F-A883-8B55DAFF7C07}" type="datetimeFigureOut">
               <a:rPr lang="en-SG" smtClean="0"/>
-              <a:t>6/7/2018</a:t>
+              <a:t>31/3/2019</a:t>
             </a:fld>
             <a:endParaRPr lang="en-SG"/>
           </a:p>
@@ -465,7 +461,7 @@
           <a:p>
             <a:fld id="{03EC4E3E-8101-482F-A883-8B55DAFF7C07}" type="datetimeFigureOut">
               <a:rPr lang="en-SG" smtClean="0"/>
-              <a:t>6/7/2018</a:t>
+              <a:t>31/3/2019</a:t>
             </a:fld>
             <a:endParaRPr lang="en-SG"/>
           </a:p>
@@ -675,7 +671,7 @@
           <a:p>
             <a:fld id="{03EC4E3E-8101-482F-A883-8B55DAFF7C07}" type="datetimeFigureOut">
               <a:rPr lang="en-SG" smtClean="0"/>
-              <a:t>6/7/2018</a:t>
+              <a:t>31/3/2019</a:t>
             </a:fld>
             <a:endParaRPr lang="en-SG"/>
           </a:p>
@@ -875,7 +871,7 @@
           <a:p>
             <a:fld id="{03EC4E3E-8101-482F-A883-8B55DAFF7C07}" type="datetimeFigureOut">
               <a:rPr lang="en-SG" smtClean="0"/>
-              <a:t>6/7/2018</a:t>
+              <a:t>31/3/2019</a:t>
             </a:fld>
             <a:endParaRPr lang="en-SG"/>
           </a:p>
@@ -1151,7 +1147,7 @@
           <a:p>
             <a:fld id="{03EC4E3E-8101-482F-A883-8B55DAFF7C07}" type="datetimeFigureOut">
               <a:rPr lang="en-SG" smtClean="0"/>
-              <a:t>6/7/2018</a:t>
+              <a:t>31/3/2019</a:t>
             </a:fld>
             <a:endParaRPr lang="en-SG"/>
           </a:p>
@@ -1419,7 +1415,7 @@
           <a:p>
             <a:fld id="{03EC4E3E-8101-482F-A883-8B55DAFF7C07}" type="datetimeFigureOut">
               <a:rPr lang="en-SG" smtClean="0"/>
-              <a:t>6/7/2018</a:t>
+              <a:t>31/3/2019</a:t>
             </a:fld>
             <a:endParaRPr lang="en-SG"/>
           </a:p>
@@ -1834,7 +1830,7 @@
           <a:p>
             <a:fld id="{03EC4E3E-8101-482F-A883-8B55DAFF7C07}" type="datetimeFigureOut">
               <a:rPr lang="en-SG" smtClean="0"/>
-              <a:t>6/7/2018</a:t>
+              <a:t>31/3/2019</a:t>
             </a:fld>
             <a:endParaRPr lang="en-SG"/>
           </a:p>
@@ -1976,7 +1972,7 @@
           <a:p>
             <a:fld id="{03EC4E3E-8101-482F-A883-8B55DAFF7C07}" type="datetimeFigureOut">
               <a:rPr lang="en-SG" smtClean="0"/>
-              <a:t>6/7/2018</a:t>
+              <a:t>31/3/2019</a:t>
             </a:fld>
             <a:endParaRPr lang="en-SG"/>
           </a:p>
@@ -2089,7 +2085,7 @@
           <a:p>
             <a:fld id="{03EC4E3E-8101-482F-A883-8B55DAFF7C07}" type="datetimeFigureOut">
               <a:rPr lang="en-SG" smtClean="0"/>
-              <a:t>6/7/2018</a:t>
+              <a:t>31/3/2019</a:t>
             </a:fld>
             <a:endParaRPr lang="en-SG"/>
           </a:p>
@@ -2402,7 +2398,7 @@
           <a:p>
             <a:fld id="{03EC4E3E-8101-482F-A883-8B55DAFF7C07}" type="datetimeFigureOut">
               <a:rPr lang="en-SG" smtClean="0"/>
-              <a:t>6/7/2018</a:t>
+              <a:t>31/3/2019</a:t>
             </a:fld>
             <a:endParaRPr lang="en-SG"/>
           </a:p>
@@ -2691,7 +2687,7 @@
           <a:p>
             <a:fld id="{03EC4E3E-8101-482F-A883-8B55DAFF7C07}" type="datetimeFigureOut">
               <a:rPr lang="en-SG" smtClean="0"/>
-              <a:t>6/7/2018</a:t>
+              <a:t>31/3/2019</a:t>
             </a:fld>
             <a:endParaRPr lang="en-SG"/>
           </a:p>
@@ -2934,7 +2930,7 @@
           <a:p>
             <a:fld id="{03EC4E3E-8101-482F-A883-8B55DAFF7C07}" type="datetimeFigureOut">
               <a:rPr lang="en-SG" smtClean="0"/>
-              <a:t>6/7/2018</a:t>
+              <a:t>31/3/2019</a:t>
             </a:fld>
             <a:endParaRPr lang="en-SG"/>
           </a:p>
@@ -3450,12 +3446,8 @@
           <a:p>
             <a:pPr algn="ctr"/>
             <a:r>
-              <a:rPr lang="en-SG"/>
-              <a:t>State ab2 </a:t>
-            </a:r>
-            <a:r>
               <a:rPr lang="en-SG" dirty="0"/>
-              <a:t>deleted.</a:t>
+              <a:t>State pp2 deleted.</a:t>
             </a:r>
           </a:p>
         </p:txBody>
@@ -3655,14 +3647,14 @@
           <p:nvPr>
             <p:extLst>
               <p:ext uri="{D42A27DB-BD31-4B8C-83A1-F6EECF244321}">
-                <p14:modId xmlns:p14="http://schemas.microsoft.com/office/powerpoint/2010/main" val="1352982134"/>
+                <p14:modId xmlns:p14="http://schemas.microsoft.com/office/powerpoint/2010/main" val="1709805880"/>
               </p:ext>
             </p:extLst>
           </p:nvPr>
         </p:nvGraphicFramePr>
         <p:xfrm>
-          <a:off x="473240" y="1476102"/>
-          <a:ext cx="1825824" cy="417888"/>
+          <a:off x="473239" y="1476102"/>
+          <a:ext cx="1967205" cy="417888"/>
         </p:xfrm>
         <a:graphic>
           <a:graphicData uri="http://schemas.openxmlformats.org/drawingml/2006/table">
@@ -3671,7 +3663,7 @@
                 <a:tableStyleId>{638B1855-1B75-4FBE-930C-398BA8C253C6}</a:tableStyleId>
               </a:tblPr>
               <a:tblGrid>
-                <a:gridCol w="1825824">
+                <a:gridCol w="1967205">
                   <a:extLst>
                     <a:ext uri="{9D8B030D-6E8A-4147-A177-3AD203B41FA5}">
                       <a16:colId xmlns:a16="http://schemas.microsoft.com/office/drawing/2014/main" val="4240773277"/>
@@ -3687,11 +3679,11 @@
                     <a:p>
                       <a:r>
                         <a:rPr lang="en-SG" u="sng" dirty="0"/>
-                        <a:t>ab0:</a:t>
+                        <a:t>pp0:</a:t>
                       </a:r>
                       <a:r>
                         <a:rPr lang="en-SG" sz="1800" u="sng" dirty="0"/>
-                        <a:t>AddressBook</a:t>
+                        <a:t>PocketProject</a:t>
                       </a:r>
                       <a:endParaRPr lang="en-SG" u="sng" dirty="0"/>
                     </a:p>
@@ -3723,14 +3715,14 @@
           <p:nvPr>
             <p:extLst>
               <p:ext uri="{D42A27DB-BD31-4B8C-83A1-F6EECF244321}">
-                <p14:modId xmlns:p14="http://schemas.microsoft.com/office/powerpoint/2010/main" val="829193732"/>
+                <p14:modId xmlns:p14="http://schemas.microsoft.com/office/powerpoint/2010/main" val="883926253"/>
               </p:ext>
             </p:extLst>
           </p:nvPr>
         </p:nvGraphicFramePr>
         <p:xfrm>
-          <a:off x="2440458" y="1476102"/>
-          <a:ext cx="1825824" cy="417888"/>
+          <a:off x="2512201" y="1476102"/>
+          <a:ext cx="1967205" cy="417888"/>
         </p:xfrm>
         <a:graphic>
           <a:graphicData uri="http://schemas.openxmlformats.org/drawingml/2006/table">
@@ -3739,7 +3731,7 @@
                 <a:tableStyleId>{638B1855-1B75-4FBE-930C-398BA8C253C6}</a:tableStyleId>
               </a:tblPr>
               <a:tblGrid>
-                <a:gridCol w="1825824">
+                <a:gridCol w="1967205">
                   <a:extLst>
                     <a:ext uri="{9D8B030D-6E8A-4147-A177-3AD203B41FA5}">
                       <a16:colId xmlns:a16="http://schemas.microsoft.com/office/drawing/2014/main" val="4240773277"/>
@@ -3755,11 +3747,11 @@
                     <a:p>
                       <a:r>
                         <a:rPr lang="en-SG" u="sng" dirty="0"/>
-                        <a:t>ab1:</a:t>
+                        <a:t>pp1:</a:t>
                       </a:r>
                       <a:r>
                         <a:rPr lang="en-SG" sz="1800" u="sng" dirty="0"/>
-                        <a:t>AddressBook</a:t>
+                        <a:t>PocketProject</a:t>
                       </a:r>
                       <a:endParaRPr lang="en-SG" u="sng" dirty="0"/>
                     </a:p>
@@ -3791,14 +3783,14 @@
           <p:nvPr>
             <p:extLst>
               <p:ext uri="{D42A27DB-BD31-4B8C-83A1-F6EECF244321}">
-                <p14:modId xmlns:p14="http://schemas.microsoft.com/office/powerpoint/2010/main" val="796708048"/>
+                <p14:modId xmlns:p14="http://schemas.microsoft.com/office/powerpoint/2010/main" val="3548267910"/>
               </p:ext>
             </p:extLst>
           </p:nvPr>
         </p:nvGraphicFramePr>
         <p:xfrm>
-          <a:off x="4409785" y="1476102"/>
-          <a:ext cx="1825824" cy="417888"/>
+          <a:off x="4551162" y="1487877"/>
+          <a:ext cx="2035799" cy="417888"/>
         </p:xfrm>
         <a:graphic>
           <a:graphicData uri="http://schemas.openxmlformats.org/drawingml/2006/table">
@@ -3807,7 +3799,7 @@
                 <a:tableStyleId>{638B1855-1B75-4FBE-930C-398BA8C253C6}</a:tableStyleId>
               </a:tblPr>
               <a:tblGrid>
-                <a:gridCol w="1825824">
+                <a:gridCol w="2035799">
                   <a:extLst>
                     <a:ext uri="{9D8B030D-6E8A-4147-A177-3AD203B41FA5}">
                       <a16:colId xmlns:a16="http://schemas.microsoft.com/office/drawing/2014/main" val="4240773277"/>
@@ -3823,11 +3815,11 @@
                     <a:p>
                       <a:r>
                         <a:rPr lang="en-SG" u="sng" dirty="0"/>
-                        <a:t>ab2:</a:t>
+                        <a:t>pp2:</a:t>
                       </a:r>
                       <a:r>
                         <a:rPr lang="en-SG" sz="1800" u="sng" dirty="0"/>
-                        <a:t>AddressBook</a:t>
+                        <a:t>PocketProject</a:t>
                       </a:r>
                       <a:endParaRPr lang="en-SG" u="sng" dirty="0"/>
                     </a:p>
@@ -3859,14 +3851,14 @@
           <p:nvPr>
             <p:extLst>
               <p:ext uri="{D42A27DB-BD31-4B8C-83A1-F6EECF244321}">
-                <p14:modId xmlns:p14="http://schemas.microsoft.com/office/powerpoint/2010/main" val="377617300"/>
+                <p14:modId xmlns:p14="http://schemas.microsoft.com/office/powerpoint/2010/main" val="195879233"/>
               </p:ext>
             </p:extLst>
           </p:nvPr>
         </p:nvGraphicFramePr>
         <p:xfrm>
-          <a:off x="473240" y="3919947"/>
-          <a:ext cx="1825824" cy="417888"/>
+          <a:off x="473239" y="3919947"/>
+          <a:ext cx="1967195" cy="417888"/>
         </p:xfrm>
         <a:graphic>
           <a:graphicData uri="http://schemas.openxmlformats.org/drawingml/2006/table">
@@ -3875,7 +3867,7 @@
                 <a:tableStyleId>{638B1855-1B75-4FBE-930C-398BA8C253C6}</a:tableStyleId>
               </a:tblPr>
               <a:tblGrid>
-                <a:gridCol w="1825824">
+                <a:gridCol w="1967195">
                   <a:extLst>
                     <a:ext uri="{9D8B030D-6E8A-4147-A177-3AD203B41FA5}">
                       <a16:colId xmlns:a16="http://schemas.microsoft.com/office/drawing/2014/main" val="4240773277"/>
@@ -3891,13 +3883,8 @@
                     <a:p>
                       <a:r>
                         <a:rPr lang="en-SG" u="sng" dirty="0"/>
-                        <a:t>ab0:</a:t>
+                        <a:t>pp0:PocketProject</a:t>
                       </a:r>
-                      <a:r>
-                        <a:rPr lang="en-SG" sz="1800" u="sng" dirty="0"/>
-                        <a:t>AddressBook</a:t>
-                      </a:r>
-                      <a:endParaRPr lang="en-SG" u="sng" dirty="0"/>
                     </a:p>
                   </a:txBody>
                   <a:tcPr/>
@@ -3927,14 +3914,14 @@
           <p:nvPr>
             <p:extLst>
               <p:ext uri="{D42A27DB-BD31-4B8C-83A1-F6EECF244321}">
-                <p14:modId xmlns:p14="http://schemas.microsoft.com/office/powerpoint/2010/main" val="4076322253"/>
+                <p14:modId xmlns:p14="http://schemas.microsoft.com/office/powerpoint/2010/main" val="1253260625"/>
               </p:ext>
             </p:extLst>
           </p:nvPr>
         </p:nvGraphicFramePr>
         <p:xfrm>
-          <a:off x="2440458" y="3919947"/>
-          <a:ext cx="1825824" cy="417888"/>
+          <a:off x="2526269" y="3926589"/>
+          <a:ext cx="1967194" cy="417888"/>
         </p:xfrm>
         <a:graphic>
           <a:graphicData uri="http://schemas.openxmlformats.org/drawingml/2006/table">
@@ -3943,7 +3930,7 @@
                 <a:tableStyleId>{638B1855-1B75-4FBE-930C-398BA8C253C6}</a:tableStyleId>
               </a:tblPr>
               <a:tblGrid>
-                <a:gridCol w="1825824">
+                <a:gridCol w="1967194">
                   <a:extLst>
                     <a:ext uri="{9D8B030D-6E8A-4147-A177-3AD203B41FA5}">
                       <a16:colId xmlns:a16="http://schemas.microsoft.com/office/drawing/2014/main" val="4240773277"/>
@@ -3959,11 +3946,11 @@
                     <a:p>
                       <a:r>
                         <a:rPr lang="en-SG" u="sng" dirty="0"/>
-                        <a:t>ab1:</a:t>
+                        <a:t>pp1:</a:t>
                       </a:r>
                       <a:r>
                         <a:rPr lang="en-SG" sz="1800" u="sng" dirty="0"/>
-                        <a:t>AddressBook</a:t>
+                        <a:t>PocketProject</a:t>
                       </a:r>
                       <a:endParaRPr lang="en-SG" u="sng" dirty="0"/>
                     </a:p>
@@ -3995,14 +3982,14 @@
           <p:nvPr>
             <p:extLst>
               <p:ext uri="{D42A27DB-BD31-4B8C-83A1-F6EECF244321}">
-                <p14:modId xmlns:p14="http://schemas.microsoft.com/office/powerpoint/2010/main" val="53411958"/>
+                <p14:modId xmlns:p14="http://schemas.microsoft.com/office/powerpoint/2010/main" val="3621199729"/>
               </p:ext>
             </p:extLst>
           </p:nvPr>
         </p:nvGraphicFramePr>
         <p:xfrm>
-          <a:off x="4409785" y="3919947"/>
-          <a:ext cx="1825824" cy="417888"/>
+          <a:off x="4595312" y="3933199"/>
+          <a:ext cx="2037015" cy="417888"/>
         </p:xfrm>
         <a:graphic>
           <a:graphicData uri="http://schemas.openxmlformats.org/drawingml/2006/table">
@@ -4011,7 +3998,7 @@
                 <a:tableStyleId>{638B1855-1B75-4FBE-930C-398BA8C253C6}</a:tableStyleId>
               </a:tblPr>
               <a:tblGrid>
-                <a:gridCol w="1825824">
+                <a:gridCol w="2037015">
                   <a:extLst>
                     <a:ext uri="{9D8B030D-6E8A-4147-A177-3AD203B41FA5}">
                       <a16:colId xmlns:a16="http://schemas.microsoft.com/office/drawing/2014/main" val="4240773277"/>
@@ -4027,11 +4014,11 @@
                     <a:p>
                       <a:r>
                         <a:rPr lang="en-SG" u="sng" dirty="0"/>
-                        <a:t>ab3:</a:t>
+                        <a:t>pp3:</a:t>
                       </a:r>
                       <a:r>
                         <a:rPr lang="en-SG" sz="1800" u="sng" dirty="0"/>
-                        <a:t>AddressBook</a:t>
+                        <a:t>PocketProject</a:t>
                       </a:r>
                       <a:endParaRPr lang="en-SG" u="sng" dirty="0"/>
                     </a:p>
